--- a/Презентация игры Under The Ground.pptx
+++ b/Презентация игры Under The Ground.pptx
@@ -5,7 +5,7 @@
     <p:sldMasterId id="2147483648" r:id="rId1"/>
   </p:sldMasterIdLst>
   <p:notesMasterIdLst>
-    <p:notesMasterId r:id="rId18"/>
+    <p:notesMasterId r:id="rId19"/>
   </p:notesMasterIdLst>
   <p:sldIdLst>
     <p:sldId id="256" r:id="rId2"/>
@@ -22,8 +22,9 @@
     <p:sldId id="269" r:id="rId13"/>
     <p:sldId id="270" r:id="rId14"/>
     <p:sldId id="271" r:id="rId15"/>
-    <p:sldId id="263" r:id="rId16"/>
-    <p:sldId id="264" r:id="rId17"/>
+    <p:sldId id="272" r:id="rId16"/>
+    <p:sldId id="263" r:id="rId17"/>
+    <p:sldId id="264" r:id="rId18"/>
   </p:sldIdLst>
   <p:sldSz cx="12192000" cy="6858000"/>
   <p:notesSz cx="6858000" cy="9144000"/>
@@ -4103,6 +4104,13 @@
   <p:clrMapOvr>
     <a:masterClrMapping/>
   </p:clrMapOvr>
+  <p:timing>
+    <p:tnLst>
+      <p:par>
+        <p:cTn id="1" dur="indefinite" restart="never" nodeType="tmRoot"/>
+      </p:par>
+    </p:tnLst>
+  </p:timing>
 </p:sld>
 </file>
 
@@ -4690,6 +4698,89 @@
       </p:grpSpPr>
       <p:sp>
         <p:nvSpPr>
+          <p:cNvPr id="2" name="Заголовок 1"/>
+          <p:cNvSpPr>
+            <a:spLocks noGrp="1"/>
+          </p:cNvSpPr>
+          <p:nvPr>
+            <p:ph type="title"/>
+          </p:nvPr>
+        </p:nvSpPr>
+        <p:spPr>
+          <a:xfrm>
+            <a:off x="527649" y="-299109"/>
+            <a:ext cx="10515600" cy="1325563"/>
+          </a:xfrm>
+        </p:spPr>
+        <p:txBody>
+          <a:bodyPr/>
+          <a:lstStyle/>
+          <a:p>
+            <a:pPr algn="ctr"/>
+            <a:r>
+              <a:rPr lang="ru-RU" dirty="0" smtClean="0"/>
+              <a:t>Диаграмма последовательности</a:t>
+            </a:r>
+            <a:endParaRPr lang="ru-RU" dirty="0"/>
+          </a:p>
+        </p:txBody>
+      </p:sp>
+      <p:pic>
+        <p:nvPicPr>
+          <p:cNvPr id="4" name="Рисунок 3"/>
+          <p:cNvPicPr>
+            <a:picLocks noChangeAspect="1"/>
+          </p:cNvPicPr>
+          <p:nvPr/>
+        </p:nvPicPr>
+        <p:blipFill>
+          <a:blip r:embed="rId2"/>
+          <a:stretch>
+            <a:fillRect/>
+          </a:stretch>
+        </p:blipFill>
+        <p:spPr>
+          <a:xfrm>
+            <a:off x="1268083" y="721534"/>
+            <a:ext cx="9034732" cy="5685075"/>
+          </a:xfrm>
+          <a:prstGeom prst="rect">
+            <a:avLst/>
+          </a:prstGeom>
+        </p:spPr>
+      </p:pic>
+    </p:spTree>
+    <p:extLst>
+      <p:ext uri="{BB962C8B-B14F-4D97-AF65-F5344CB8AC3E}">
+        <p14:creationId xmlns:p14="http://schemas.microsoft.com/office/powerpoint/2010/main" val="3428402535"/>
+      </p:ext>
+    </p:extLst>
+  </p:cSld>
+  <p:clrMapOvr>
+    <a:masterClrMapping/>
+  </p:clrMapOvr>
+</p:sld>
+</file>
+
+<file path=ppt/slides/slide16.xml><?xml version="1.0" encoding="utf-8"?>
+<p:sld xmlns:a="http://schemas.openxmlformats.org/drawingml/2006/main" xmlns:r="http://schemas.openxmlformats.org/officeDocument/2006/relationships" xmlns:p="http://schemas.openxmlformats.org/presentationml/2006/main">
+  <p:cSld>
+    <p:spTree>
+      <p:nvGrpSpPr>
+        <p:cNvPr id="1" name=""/>
+        <p:cNvGrpSpPr/>
+        <p:nvPr/>
+      </p:nvGrpSpPr>
+      <p:grpSpPr>
+        <a:xfrm>
+          <a:off x="0" y="0"/>
+          <a:ext cx="0" cy="0"/>
+          <a:chOff x="0" y="0"/>
+          <a:chExt cx="0" cy="0"/>
+        </a:xfrm>
+      </p:grpSpPr>
+      <p:sp>
+        <p:nvSpPr>
           <p:cNvPr id="4" name="Заголовок 1">
             <a:extLst>
               <a:ext uri="{FF2B5EF4-FFF2-40B4-BE49-F238E27FC236}">
@@ -4964,7 +5055,7 @@
 </p:sld>
 </file>
 
-<file path=ppt/slides/slide16.xml><?xml version="1.0" encoding="utf-8"?>
+<file path=ppt/slides/slide17.xml><?xml version="1.0" encoding="utf-8"?>
 <p:sld xmlns:a="http://schemas.openxmlformats.org/drawingml/2006/main" xmlns:r="http://schemas.openxmlformats.org/officeDocument/2006/relationships" xmlns:p="http://schemas.openxmlformats.org/presentationml/2006/main">
   <p:cSld>
     <p:spTree>
@@ -5395,6 +5486,13 @@
   <p:clrMapOvr>
     <a:masterClrMapping/>
   </p:clrMapOvr>
+  <p:timing>
+    <p:tnLst>
+      <p:par>
+        <p:cTn id="1" dur="indefinite" restart="never" nodeType="tmRoot"/>
+      </p:par>
+    </p:tnLst>
+  </p:timing>
 </p:sld>
 </file>
 
@@ -5697,6 +5795,13 @@
   <p:clrMapOvr>
     <a:masterClrMapping/>
   </p:clrMapOvr>
+  <p:timing>
+    <p:tnLst>
+      <p:par>
+        <p:cTn id="1" dur="indefinite" restart="never" nodeType="tmRoot"/>
+      </p:par>
+    </p:tnLst>
+  </p:timing>
 </p:sld>
 </file>
 
@@ -5997,6 +6102,13 @@
   <p:clrMapOvr>
     <a:masterClrMapping/>
   </p:clrMapOvr>
+  <p:timing>
+    <p:tnLst>
+      <p:par>
+        <p:cTn id="1" dur="indefinite" restart="never" nodeType="tmRoot"/>
+      </p:par>
+    </p:tnLst>
+  </p:timing>
 </p:sld>
 </file>
 
@@ -7503,6 +7615,13 @@
   <p:clrMapOvr>
     <a:masterClrMapping/>
   </p:clrMapOvr>
+  <p:timing>
+    <p:tnLst>
+      <p:par>
+        <p:cTn id="1" dur="indefinite" restart="never" nodeType="tmRoot"/>
+      </p:par>
+    </p:tnLst>
+  </p:timing>
 </p:sld>
 </file>
 

--- a/Презентация игры Under The Ground.pptx
+++ b/Презентация игры Under The Ground.pptx
@@ -3969,7 +3969,23 @@
                   <a:schemeClr val="bg1"/>
                 </a:solidFill>
               </a:rPr>
-              <a:t> Ф. Каримова</a:t>
+              <a:t> </a:t>
+            </a:r>
+            <a:r>
+              <a:rPr lang="ru-RU" sz="2000" dirty="0" smtClean="0">
+                <a:solidFill>
+                  <a:schemeClr val="bg1"/>
+                </a:solidFill>
+              </a:rPr>
+              <a:t>Р. </a:t>
+            </a:r>
+            <a:r>
+              <a:rPr lang="ru-RU" sz="2000" dirty="0">
+                <a:solidFill>
+                  <a:schemeClr val="bg1"/>
+                </a:solidFill>
+              </a:rPr>
+              <a:t>Каримова</a:t>
             </a:r>
           </a:p>
         </p:txBody>
@@ -5643,7 +5659,7 @@
                 <a14:useLocalDpi xmlns:a14="http://schemas.microsoft.com/office/drawing/2010/main" val="0"/>
               </a:ext>
               <a:ext uri="{96DAC541-7B7A-43D3-8B79-37D633B846F1}">
-                <asvg:svgBlip xmlns:asvg="http://schemas.microsoft.com/office/drawing/2016/SVG/main" xmlns="" r:embed="rId3"/>
+                <asvg:svgBlip xmlns="" xmlns:asvg="http://schemas.microsoft.com/office/drawing/2016/SVG/main" r:embed="rId3"/>
               </a:ext>
             </a:extLst>
           </a:blip>
@@ -6229,7 +6245,7 @@
                 <a14:useLocalDpi xmlns:a14="http://schemas.microsoft.com/office/drawing/2010/main" val="0"/>
               </a:ext>
               <a:ext uri="{96DAC541-7B7A-43D3-8B79-37D633B846F1}">
-                <asvg:svgBlip xmlns:asvg="http://schemas.microsoft.com/office/drawing/2016/SVG/main" xmlns="" r:embed="rId3"/>
+                <asvg:svgBlip xmlns="" xmlns:asvg="http://schemas.microsoft.com/office/drawing/2016/SVG/main" r:embed="rId3"/>
               </a:ext>
             </a:extLst>
           </a:blip>
@@ -7825,7 +7841,7 @@
                 <a14:useLocalDpi xmlns:a14="http://schemas.microsoft.com/office/drawing/2010/main" val="0"/>
               </a:ext>
               <a:ext uri="{96DAC541-7B7A-43D3-8B79-37D633B846F1}">
-                <asvg:svgBlip xmlns:asvg="http://schemas.microsoft.com/office/drawing/2016/SVG/main" xmlns="" r:embed="rId3"/>
+                <asvg:svgBlip xmlns="" xmlns:asvg="http://schemas.microsoft.com/office/drawing/2016/SVG/main" r:embed="rId3"/>
               </a:ext>
             </a:extLst>
           </a:blip>

--- a/Презентация игры Under The Ground.pptx
+++ b/Презентация игры Under The Ground.pptx
@@ -227,7 +227,7 @@
           <a:p>
             <a:fld id="{6557A5B6-B96C-4282-A3DE-DA0A882DA74C}" type="datetimeFigureOut">
               <a:rPr lang="ru-RU" smtClean="0"/>
-              <a:t>30.11.2022</a:t>
+              <a:t>01.12.2022</a:t>
             </a:fld>
             <a:endParaRPr lang="ru-RU"/>
           </a:p>
@@ -725,7 +725,7 @@
           <a:p>
             <a:fld id="{4B3A831E-6221-4DF3-9E2B-33BDCA035AE6}" type="datetimeFigureOut">
               <a:rPr lang="ru-RU" smtClean="0"/>
-              <a:t>30.11.2022</a:t>
+              <a:t>01.12.2022</a:t>
             </a:fld>
             <a:endParaRPr lang="ru-RU"/>
           </a:p>
@@ -923,7 +923,7 @@
           <a:p>
             <a:fld id="{4B3A831E-6221-4DF3-9E2B-33BDCA035AE6}" type="datetimeFigureOut">
               <a:rPr lang="ru-RU" smtClean="0"/>
-              <a:t>30.11.2022</a:t>
+              <a:t>01.12.2022</a:t>
             </a:fld>
             <a:endParaRPr lang="ru-RU"/>
           </a:p>
@@ -1131,7 +1131,7 @@
           <a:p>
             <a:fld id="{4B3A831E-6221-4DF3-9E2B-33BDCA035AE6}" type="datetimeFigureOut">
               <a:rPr lang="ru-RU" smtClean="0"/>
-              <a:t>30.11.2022</a:t>
+              <a:t>01.12.2022</a:t>
             </a:fld>
             <a:endParaRPr lang="ru-RU"/>
           </a:p>
@@ -1329,7 +1329,7 @@
           <a:p>
             <a:fld id="{4B3A831E-6221-4DF3-9E2B-33BDCA035AE6}" type="datetimeFigureOut">
               <a:rPr lang="ru-RU" smtClean="0"/>
-              <a:t>30.11.2022</a:t>
+              <a:t>01.12.2022</a:t>
             </a:fld>
             <a:endParaRPr lang="ru-RU"/>
           </a:p>
@@ -1604,7 +1604,7 @@
           <a:p>
             <a:fld id="{4B3A831E-6221-4DF3-9E2B-33BDCA035AE6}" type="datetimeFigureOut">
               <a:rPr lang="ru-RU" smtClean="0"/>
-              <a:t>30.11.2022</a:t>
+              <a:t>01.12.2022</a:t>
             </a:fld>
             <a:endParaRPr lang="ru-RU"/>
           </a:p>
@@ -1869,7 +1869,7 @@
           <a:p>
             <a:fld id="{4B3A831E-6221-4DF3-9E2B-33BDCA035AE6}" type="datetimeFigureOut">
               <a:rPr lang="ru-RU" smtClean="0"/>
-              <a:t>30.11.2022</a:t>
+              <a:t>01.12.2022</a:t>
             </a:fld>
             <a:endParaRPr lang="ru-RU"/>
           </a:p>
@@ -2281,7 +2281,7 @@
           <a:p>
             <a:fld id="{4B3A831E-6221-4DF3-9E2B-33BDCA035AE6}" type="datetimeFigureOut">
               <a:rPr lang="ru-RU" smtClean="0"/>
-              <a:t>30.11.2022</a:t>
+              <a:t>01.12.2022</a:t>
             </a:fld>
             <a:endParaRPr lang="ru-RU"/>
           </a:p>
@@ -2422,7 +2422,7 @@
           <a:p>
             <a:fld id="{4B3A831E-6221-4DF3-9E2B-33BDCA035AE6}" type="datetimeFigureOut">
               <a:rPr lang="ru-RU" smtClean="0"/>
-              <a:t>30.11.2022</a:t>
+              <a:t>01.12.2022</a:t>
             </a:fld>
             <a:endParaRPr lang="ru-RU"/>
           </a:p>
@@ -2535,7 +2535,7 @@
           <a:p>
             <a:fld id="{4B3A831E-6221-4DF3-9E2B-33BDCA035AE6}" type="datetimeFigureOut">
               <a:rPr lang="ru-RU" smtClean="0"/>
-              <a:t>30.11.2022</a:t>
+              <a:t>01.12.2022</a:t>
             </a:fld>
             <a:endParaRPr lang="ru-RU"/>
           </a:p>
@@ -2846,7 +2846,7 @@
           <a:p>
             <a:fld id="{4B3A831E-6221-4DF3-9E2B-33BDCA035AE6}" type="datetimeFigureOut">
               <a:rPr lang="ru-RU" smtClean="0"/>
-              <a:t>30.11.2022</a:t>
+              <a:t>01.12.2022</a:t>
             </a:fld>
             <a:endParaRPr lang="ru-RU"/>
           </a:p>
@@ -3134,7 +3134,7 @@
           <a:p>
             <a:fld id="{4B3A831E-6221-4DF3-9E2B-33BDCA035AE6}" type="datetimeFigureOut">
               <a:rPr lang="ru-RU" smtClean="0"/>
-              <a:t>30.11.2022</a:t>
+              <a:t>01.12.2022</a:t>
             </a:fld>
             <a:endParaRPr lang="ru-RU"/>
           </a:p>
@@ -3375,7 +3375,7 @@
           <a:p>
             <a:fld id="{4B3A831E-6221-4DF3-9E2B-33BDCA035AE6}" type="datetimeFigureOut">
               <a:rPr lang="ru-RU" smtClean="0"/>
-              <a:t>30.11.2022</a:t>
+              <a:t>01.12.2022</a:t>
             </a:fld>
             <a:endParaRPr lang="ru-RU"/>
           </a:p>
@@ -3787,9 +3787,6 @@
                 <a14:imgProps xmlns:a14="http://schemas.microsoft.com/office/drawing/2010/main">
                   <a14:imgLayer r:embed="rId4">
                     <a14:imgEffect>
-                      <a14:sharpenSoften amount="-20000"/>
-                    </a14:imgEffect>
-                    <a14:imgEffect>
                       <a14:brightnessContrast bright="-35000"/>
                     </a14:imgEffect>
                   </a14:imgLayer>
@@ -4573,7 +4570,7 @@
       </p:sp>
       <p:pic>
         <p:nvPicPr>
-          <p:cNvPr id="4" name="Рисунок 3"/>
+          <p:cNvPr id="5" name="Рисунок 4"/>
           <p:cNvPicPr>
             <a:picLocks noChangeAspect="1"/>
           </p:cNvPicPr>
@@ -4587,8 +4584,8 @@
         </p:blipFill>
         <p:spPr>
           <a:xfrm>
-            <a:off x="4114800" y="1242114"/>
-            <a:ext cx="7945647" cy="5282337"/>
+            <a:off x="4252823" y="1086928"/>
+            <a:ext cx="7849857" cy="5264537"/>
           </a:xfrm>
           <a:prstGeom prst="rect">
             <a:avLst/>
@@ -4813,7 +4810,7 @@
         </p:nvSpPr>
         <p:spPr>
           <a:xfrm>
-            <a:off x="838200" y="365125"/>
+            <a:off x="1519687" y="323395"/>
             <a:ext cx="5832764" cy="1325563"/>
           </a:xfrm>
         </p:spPr>
@@ -4847,8 +4844,8 @@
         </p:nvSpPr>
         <p:spPr>
           <a:xfrm rot="2678270">
-            <a:off x="281451" y="792378"/>
-            <a:ext cx="457200" cy="471054"/>
+            <a:off x="183602" y="267240"/>
+            <a:ext cx="1318253" cy="1358198"/>
           </a:xfrm>
           <a:prstGeom prst="roundRect">
             <a:avLst>
@@ -4908,8 +4905,8 @@
         </p:nvSpPr>
         <p:spPr>
           <a:xfrm>
-            <a:off x="333403" y="851258"/>
-            <a:ext cx="353291" cy="353291"/>
+            <a:off x="333403" y="437014"/>
+            <a:ext cx="1018650" cy="1018650"/>
           </a:xfrm>
           <a:prstGeom prst="ellipse">
             <a:avLst/>
@@ -4948,13 +4945,20 @@
           <a:p>
             <a:pPr algn="ctr"/>
             <a:r>
-              <a:rPr lang="en-US" dirty="0">
+              <a:rPr lang="ru-RU" sz="3200" dirty="0">
                 <a:latin typeface="Cascadia Code" panose="020B0609020000020004" pitchFamily="49" charset="0"/>
                 <a:cs typeface="Cascadia Code" panose="020B0609020000020004" pitchFamily="49" charset="0"/>
               </a:rPr>
-              <a:t>?</a:t>
-            </a:r>
-            <a:endParaRPr lang="ru-RU" dirty="0">
+              <a:t>1</a:t>
+            </a:r>
+            <a:r>
+              <a:rPr lang="ru-RU" sz="3200" dirty="0" smtClean="0">
+                <a:latin typeface="Cascadia Code" panose="020B0609020000020004" pitchFamily="49" charset="0"/>
+                <a:cs typeface="Cascadia Code" panose="020B0609020000020004" pitchFamily="49" charset="0"/>
+              </a:rPr>
+              <a:t>5</a:t>
+            </a:r>
+            <a:endParaRPr lang="ru-RU" sz="3200" dirty="0">
               <a:latin typeface="Cascadia Code" panose="020B0609020000020004" pitchFamily="49" charset="0"/>
               <a:cs typeface="Cascadia Code" panose="020B0609020000020004" pitchFamily="49" charset="0"/>
             </a:endParaRPr>
@@ -5659,7 +5663,7 @@
                 <a14:useLocalDpi xmlns:a14="http://schemas.microsoft.com/office/drawing/2010/main" val="0"/>
               </a:ext>
               <a:ext uri="{96DAC541-7B7A-43D3-8B79-37D633B846F1}">
-                <asvg:svgBlip xmlns="" xmlns:asvg="http://schemas.microsoft.com/office/drawing/2016/SVG/main" r:embed="rId3"/>
+                <asvg:svgBlip xmlns:asvg="http://schemas.microsoft.com/office/drawing/2016/SVG/main" xmlns="" r:embed="rId3"/>
               </a:ext>
             </a:extLst>
           </a:blip>
@@ -6245,7 +6249,7 @@
                 <a14:useLocalDpi xmlns:a14="http://schemas.microsoft.com/office/drawing/2010/main" val="0"/>
               </a:ext>
               <a:ext uri="{96DAC541-7B7A-43D3-8B79-37D633B846F1}">
-                <asvg:svgBlip xmlns="" xmlns:asvg="http://schemas.microsoft.com/office/drawing/2016/SVG/main" r:embed="rId3"/>
+                <asvg:svgBlip xmlns:asvg="http://schemas.microsoft.com/office/drawing/2016/SVG/main" xmlns="" r:embed="rId3"/>
               </a:ext>
             </a:extLst>
           </a:blip>
@@ -7841,7 +7845,7 @@
                 <a14:useLocalDpi xmlns:a14="http://schemas.microsoft.com/office/drawing/2010/main" val="0"/>
               </a:ext>
               <a:ext uri="{96DAC541-7B7A-43D3-8B79-37D633B846F1}">
-                <asvg:svgBlip xmlns="" xmlns:asvg="http://schemas.microsoft.com/office/drawing/2016/SVG/main" r:embed="rId3"/>
+                <asvg:svgBlip xmlns:asvg="http://schemas.microsoft.com/office/drawing/2016/SVG/main" xmlns="" r:embed="rId3"/>
               </a:ext>
             </a:extLst>
           </a:blip>

--- a/Презентация игры Under The Ground.pptx
+++ b/Презентация игры Under The Ground.pptx
@@ -4570,7 +4570,7 @@
       </p:sp>
       <p:pic>
         <p:nvPicPr>
-          <p:cNvPr id="5" name="Рисунок 4"/>
+          <p:cNvPr id="4" name="Рисунок 3"/>
           <p:cNvPicPr>
             <a:picLocks noChangeAspect="1"/>
           </p:cNvPicPr>
@@ -4584,8 +4584,8 @@
         </p:blipFill>
         <p:spPr>
           <a:xfrm>
-            <a:off x="4252823" y="1086928"/>
-            <a:ext cx="7849857" cy="5264537"/>
+            <a:off x="4221533" y="1242114"/>
+            <a:ext cx="7970468" cy="5296709"/>
           </a:xfrm>
           <a:prstGeom prst="rect">
             <a:avLst/>
@@ -5663,7 +5663,7 @@
                 <a14:useLocalDpi xmlns:a14="http://schemas.microsoft.com/office/drawing/2010/main" val="0"/>
               </a:ext>
               <a:ext uri="{96DAC541-7B7A-43D3-8B79-37D633B846F1}">
-                <asvg:svgBlip xmlns:asvg="http://schemas.microsoft.com/office/drawing/2016/SVG/main" xmlns="" r:embed="rId3"/>
+                <asvg:svgBlip xmlns="" xmlns:asvg="http://schemas.microsoft.com/office/drawing/2016/SVG/main" r:embed="rId3"/>
               </a:ext>
             </a:extLst>
           </a:blip>
@@ -6249,7 +6249,7 @@
                 <a14:useLocalDpi xmlns:a14="http://schemas.microsoft.com/office/drawing/2010/main" val="0"/>
               </a:ext>
               <a:ext uri="{96DAC541-7B7A-43D3-8B79-37D633B846F1}">
-                <asvg:svgBlip xmlns:asvg="http://schemas.microsoft.com/office/drawing/2016/SVG/main" xmlns="" r:embed="rId3"/>
+                <asvg:svgBlip xmlns="" xmlns:asvg="http://schemas.microsoft.com/office/drawing/2016/SVG/main" r:embed="rId3"/>
               </a:ext>
             </a:extLst>
           </a:blip>
@@ -7845,7 +7845,7 @@
                 <a14:useLocalDpi xmlns:a14="http://schemas.microsoft.com/office/drawing/2010/main" val="0"/>
               </a:ext>
               <a:ext uri="{96DAC541-7B7A-43D3-8B79-37D633B846F1}">
-                <asvg:svgBlip xmlns:asvg="http://schemas.microsoft.com/office/drawing/2016/SVG/main" xmlns="" r:embed="rId3"/>
+                <asvg:svgBlip xmlns="" xmlns:asvg="http://schemas.microsoft.com/office/drawing/2016/SVG/main" r:embed="rId3"/>
               </a:ext>
             </a:extLst>
           </a:blip>

--- a/Презентация игры Under The Ground.pptx
+++ b/Презентация игры Under The Ground.pptx
@@ -5,7 +5,7 @@
     <p:sldMasterId id="2147483648" r:id="rId1"/>
   </p:sldMasterIdLst>
   <p:notesMasterIdLst>
-    <p:notesMasterId r:id="rId19"/>
+    <p:notesMasterId r:id="rId17"/>
   </p:notesMasterIdLst>
   <p:sldIdLst>
     <p:sldId id="256" r:id="rId2"/>
@@ -18,13 +18,11 @@
     <p:sldId id="265" r:id="rId9"/>
     <p:sldId id="266" r:id="rId10"/>
     <p:sldId id="267" r:id="rId11"/>
-    <p:sldId id="268" r:id="rId12"/>
-    <p:sldId id="269" r:id="rId13"/>
-    <p:sldId id="270" r:id="rId14"/>
-    <p:sldId id="271" r:id="rId15"/>
-    <p:sldId id="272" r:id="rId16"/>
-    <p:sldId id="263" r:id="rId17"/>
-    <p:sldId id="264" r:id="rId18"/>
+    <p:sldId id="270" r:id="rId12"/>
+    <p:sldId id="271" r:id="rId13"/>
+    <p:sldId id="272" r:id="rId14"/>
+    <p:sldId id="263" r:id="rId15"/>
+    <p:sldId id="264" r:id="rId16"/>
   </p:sldIdLst>
   <p:sldSz cx="12192000" cy="6858000"/>
   <p:notesSz cx="6858000" cy="9144000"/>
@@ -4185,7 +4183,7 @@
         </p:nvSpPr>
         <p:spPr>
           <a:xfrm>
-            <a:off x="0" y="1109633"/>
+            <a:off x="1345721" y="1290968"/>
             <a:ext cx="2974675" cy="4351338"/>
           </a:xfrm>
         </p:spPr>
@@ -4206,7 +4204,7 @@
       </p:sp>
       <p:pic>
         <p:nvPicPr>
-          <p:cNvPr id="4" name="Рисунок 3"/>
+          <p:cNvPr id="6" name="Рисунок 5"/>
           <p:cNvPicPr>
             <a:picLocks noChangeAspect="1"/>
           </p:cNvPicPr>
@@ -4220,8 +4218,8 @@
         </p:blipFill>
         <p:spPr>
           <a:xfrm>
-            <a:off x="3674853" y="1109633"/>
-            <a:ext cx="8517147" cy="5691683"/>
+            <a:off x="4130300" y="1290968"/>
+            <a:ext cx="7956026" cy="5308240"/>
           </a:xfrm>
           <a:prstGeom prst="rect">
             <a:avLst/>
@@ -4270,7 +4268,7 @@
         </p:nvSpPr>
         <p:spPr>
           <a:xfrm>
-            <a:off x="907212" y="0"/>
+            <a:off x="838200" y="-83449"/>
             <a:ext cx="10515600" cy="1325563"/>
           </a:xfrm>
         </p:spPr>
@@ -4299,20 +4297,21 @@
         </p:nvSpPr>
         <p:spPr>
           <a:xfrm>
-            <a:off x="0" y="1195897"/>
-            <a:ext cx="2846717" cy="4351338"/>
+            <a:off x="682925" y="1152765"/>
+            <a:ext cx="3190336" cy="4351338"/>
           </a:xfrm>
         </p:spPr>
         <p:txBody>
           <a:bodyPr/>
           <a:lstStyle/>
           <a:p>
-            <a:pPr marL="0" indent="0">
-              <a:buNone/>
-            </a:pPr>
             <a:r>
               <a:rPr lang="ru-RU" dirty="0" smtClean="0"/>
-              <a:t>Декомпозиция внешнего вида модели.</a:t>
+              <a:t>Д</a:t>
+            </a:r>
+            <a:r>
+              <a:rPr lang="ru-RU" dirty="0" smtClean="0"/>
+              <a:t>екомпозиция блока.</a:t>
             </a:r>
             <a:endParaRPr lang="ru-RU" dirty="0"/>
           </a:p>
@@ -4320,7 +4319,7 @@
       </p:sp>
       <p:pic>
         <p:nvPicPr>
-          <p:cNvPr id="5" name="Рисунок 4"/>
+          <p:cNvPr id="6" name="Рисунок 5"/>
           <p:cNvPicPr>
             <a:picLocks noChangeAspect="1"/>
           </p:cNvPicPr>
@@ -4334,8 +4333,8 @@
         </p:blipFill>
         <p:spPr>
           <a:xfrm>
-            <a:off x="3545457" y="953658"/>
-            <a:ext cx="8646543" cy="5785048"/>
+            <a:off x="4166081" y="1242114"/>
+            <a:ext cx="8025919" cy="5348467"/>
           </a:xfrm>
           <a:prstGeom prst="rect">
             <a:avLst/>
@@ -4345,7 +4344,7 @@
     </p:spTree>
     <p:extLst>
       <p:ext uri="{BB962C8B-B14F-4D97-AF65-F5344CB8AC3E}">
-        <p14:creationId xmlns:p14="http://schemas.microsoft.com/office/powerpoint/2010/main" val="3399563301"/>
+        <p14:creationId xmlns:p14="http://schemas.microsoft.com/office/powerpoint/2010/main" val="1434796438"/>
       </p:ext>
     </p:extLst>
   </p:cSld>
@@ -4384,7 +4383,7 @@
         </p:nvSpPr>
         <p:spPr>
           <a:xfrm>
-            <a:off x="838200" y="-161086"/>
+            <a:off x="734683" y="0"/>
             <a:ext cx="10515600" cy="1325563"/>
           </a:xfrm>
         </p:spPr>
@@ -4395,51 +4394,11 @@
             <a:pPr algn="ctr"/>
             <a:r>
               <a:rPr lang="ru-RU" dirty="0" smtClean="0"/>
-              <a:t>Функциональная модель</a:t>
-            </a:r>
-            <a:endParaRPr lang="ru-RU" dirty="0"/>
-          </a:p>
-        </p:txBody>
-      </p:sp>
-      <p:sp>
-        <p:nvSpPr>
-          <p:cNvPr id="3" name="Объект 2"/>
-          <p:cNvSpPr>
-            <a:spLocks noGrp="1"/>
-          </p:cNvSpPr>
-          <p:nvPr>
-            <p:ph idx="1"/>
-          </p:nvPr>
-        </p:nvSpPr>
-        <p:spPr>
-          <a:xfrm>
-            <a:off x="120770" y="1825625"/>
-            <a:ext cx="3769743" cy="4351338"/>
-          </a:xfrm>
-        </p:spPr>
-        <p:txBody>
-          <a:bodyPr/>
-          <a:lstStyle/>
-          <a:p>
-            <a:r>
-              <a:rPr lang="ru-RU" dirty="0" smtClean="0"/>
-              <a:t>Декомпозиция первого блока </a:t>
-            </a:r>
-            <a:r>
-              <a:rPr lang="en-US" dirty="0" smtClean="0"/>
-              <a:t>“</a:t>
-            </a:r>
-            <a:r>
-              <a:rPr lang="ru-RU" dirty="0" smtClean="0"/>
-              <a:t>Обработка команд игрока</a:t>
-            </a:r>
-            <a:r>
-              <a:rPr lang="en-US" dirty="0" smtClean="0"/>
-              <a:t>”</a:t>
-            </a:r>
-            <a:r>
-              <a:rPr lang="ru-RU" dirty="0" smtClean="0"/>
-              <a:t>.</a:t>
+              <a:t>Диаграмма </a:t>
+            </a:r>
+            <a:r>
+              <a:rPr lang="ru-RU" dirty="0" err="1" smtClean="0"/>
+              <a:t>Ганта</a:t>
             </a:r>
             <a:endParaRPr lang="ru-RU" dirty="0"/>
           </a:p>
@@ -4447,7 +4406,7 @@
       </p:sp>
       <p:pic>
         <p:nvPicPr>
-          <p:cNvPr id="4" name="Рисунок 3"/>
+          <p:cNvPr id="5" name="Рисунок 4"/>
           <p:cNvPicPr>
             <a:picLocks noChangeAspect="1"/>
           </p:cNvPicPr>
@@ -4461,8 +4420,8 @@
         </p:blipFill>
         <p:spPr>
           <a:xfrm>
-            <a:off x="4063042" y="1164476"/>
-            <a:ext cx="8128958" cy="5410655"/>
+            <a:off x="1285335" y="982731"/>
+            <a:ext cx="9414295" cy="5591950"/>
           </a:xfrm>
           <a:prstGeom prst="rect">
             <a:avLst/>
@@ -4472,7 +4431,7 @@
     </p:spTree>
     <p:extLst>
       <p:ext uri="{BB962C8B-B14F-4D97-AF65-F5344CB8AC3E}">
-        <p14:creationId xmlns:p14="http://schemas.microsoft.com/office/powerpoint/2010/main" val="2441295348"/>
+        <p14:creationId xmlns:p14="http://schemas.microsoft.com/office/powerpoint/2010/main" val="3059588702"/>
       </p:ext>
     </p:extLst>
   </p:cSld>
@@ -4511,7 +4470,7 @@
         </p:nvSpPr>
         <p:spPr>
           <a:xfrm>
-            <a:off x="838200" y="-83449"/>
+            <a:off x="527649" y="-299109"/>
             <a:ext cx="10515600" cy="1325563"/>
           </a:xfrm>
         </p:spPr>
@@ -4522,47 +4481,7 @@
             <a:pPr algn="ctr"/>
             <a:r>
               <a:rPr lang="ru-RU" dirty="0" smtClean="0"/>
-              <a:t>Функциональная модель</a:t>
-            </a:r>
-            <a:endParaRPr lang="ru-RU" dirty="0"/>
-          </a:p>
-        </p:txBody>
-      </p:sp>
-      <p:sp>
-        <p:nvSpPr>
-          <p:cNvPr id="3" name="Объект 2"/>
-          <p:cNvSpPr>
-            <a:spLocks noGrp="1"/>
-          </p:cNvSpPr>
-          <p:nvPr>
-            <p:ph idx="1"/>
-          </p:nvPr>
-        </p:nvSpPr>
-        <p:spPr>
-          <a:xfrm>
-            <a:off x="838200" y="1825625"/>
-            <a:ext cx="3190336" cy="4351338"/>
-          </a:xfrm>
-        </p:spPr>
-        <p:txBody>
-          <a:bodyPr/>
-          <a:lstStyle/>
-          <a:p>
-            <a:r>
-              <a:rPr lang="ru-RU" dirty="0" smtClean="0"/>
-              <a:t>Ещё одна декомпозиция, но в этот раз это уже блок </a:t>
-            </a:r>
-            <a:r>
-              <a:rPr lang="en-US" dirty="0" smtClean="0"/>
-              <a:t>“</a:t>
-            </a:r>
-            <a:r>
-              <a:rPr lang="ru-RU" dirty="0" smtClean="0"/>
-              <a:t>Обновление состояния игры</a:t>
-            </a:r>
-            <a:r>
-              <a:rPr lang="en-US" dirty="0" smtClean="0"/>
-              <a:t>”.</a:t>
+              <a:t>Диаграмма последовательности</a:t>
             </a:r>
             <a:endParaRPr lang="ru-RU" dirty="0"/>
           </a:p>
@@ -4584,8 +4503,8 @@
         </p:blipFill>
         <p:spPr>
           <a:xfrm>
-            <a:off x="4221533" y="1242114"/>
-            <a:ext cx="7970468" cy="5296709"/>
+            <a:off x="1268083" y="721534"/>
+            <a:ext cx="9034732" cy="5685075"/>
           </a:xfrm>
           <a:prstGeom prst="rect">
             <a:avLst/>
@@ -4595,7 +4514,7 @@
     </p:spTree>
     <p:extLst>
       <p:ext uri="{BB962C8B-B14F-4D97-AF65-F5344CB8AC3E}">
-        <p14:creationId xmlns:p14="http://schemas.microsoft.com/office/powerpoint/2010/main" val="1434796438"/>
+        <p14:creationId xmlns:p14="http://schemas.microsoft.com/office/powerpoint/2010/main" val="3428402535"/>
       </p:ext>
     </p:extLst>
   </p:cSld>
@@ -4624,176 +4543,6 @@
       </p:grpSpPr>
       <p:sp>
         <p:nvSpPr>
-          <p:cNvPr id="2" name="Заголовок 1"/>
-          <p:cNvSpPr>
-            <a:spLocks noGrp="1"/>
-          </p:cNvSpPr>
-          <p:nvPr>
-            <p:ph type="title"/>
-          </p:nvPr>
-        </p:nvSpPr>
-        <p:spPr>
-          <a:xfrm>
-            <a:off x="734683" y="0"/>
-            <a:ext cx="10515600" cy="1325563"/>
-          </a:xfrm>
-        </p:spPr>
-        <p:txBody>
-          <a:bodyPr/>
-          <a:lstStyle/>
-          <a:p>
-            <a:pPr algn="ctr"/>
-            <a:r>
-              <a:rPr lang="ru-RU" dirty="0" smtClean="0"/>
-              <a:t>Диаграмма </a:t>
-            </a:r>
-            <a:r>
-              <a:rPr lang="ru-RU" dirty="0" err="1" smtClean="0"/>
-              <a:t>Ганта</a:t>
-            </a:r>
-            <a:endParaRPr lang="ru-RU" dirty="0"/>
-          </a:p>
-        </p:txBody>
-      </p:sp>
-      <p:pic>
-        <p:nvPicPr>
-          <p:cNvPr id="5" name="Рисунок 4"/>
-          <p:cNvPicPr>
-            <a:picLocks noChangeAspect="1"/>
-          </p:cNvPicPr>
-          <p:nvPr/>
-        </p:nvPicPr>
-        <p:blipFill>
-          <a:blip r:embed="rId2"/>
-          <a:stretch>
-            <a:fillRect/>
-          </a:stretch>
-        </p:blipFill>
-        <p:spPr>
-          <a:xfrm>
-            <a:off x="1285335" y="982731"/>
-            <a:ext cx="9414295" cy="5591950"/>
-          </a:xfrm>
-          <a:prstGeom prst="rect">
-            <a:avLst/>
-          </a:prstGeom>
-        </p:spPr>
-      </p:pic>
-    </p:spTree>
-    <p:extLst>
-      <p:ext uri="{BB962C8B-B14F-4D97-AF65-F5344CB8AC3E}">
-        <p14:creationId xmlns:p14="http://schemas.microsoft.com/office/powerpoint/2010/main" val="3059588702"/>
-      </p:ext>
-    </p:extLst>
-  </p:cSld>
-  <p:clrMapOvr>
-    <a:masterClrMapping/>
-  </p:clrMapOvr>
-</p:sld>
-</file>
-
-<file path=ppt/slides/slide15.xml><?xml version="1.0" encoding="utf-8"?>
-<p:sld xmlns:a="http://schemas.openxmlformats.org/drawingml/2006/main" xmlns:r="http://schemas.openxmlformats.org/officeDocument/2006/relationships" xmlns:p="http://schemas.openxmlformats.org/presentationml/2006/main">
-  <p:cSld>
-    <p:spTree>
-      <p:nvGrpSpPr>
-        <p:cNvPr id="1" name=""/>
-        <p:cNvGrpSpPr/>
-        <p:nvPr/>
-      </p:nvGrpSpPr>
-      <p:grpSpPr>
-        <a:xfrm>
-          <a:off x="0" y="0"/>
-          <a:ext cx="0" cy="0"/>
-          <a:chOff x="0" y="0"/>
-          <a:chExt cx="0" cy="0"/>
-        </a:xfrm>
-      </p:grpSpPr>
-      <p:sp>
-        <p:nvSpPr>
-          <p:cNvPr id="2" name="Заголовок 1"/>
-          <p:cNvSpPr>
-            <a:spLocks noGrp="1"/>
-          </p:cNvSpPr>
-          <p:nvPr>
-            <p:ph type="title"/>
-          </p:nvPr>
-        </p:nvSpPr>
-        <p:spPr>
-          <a:xfrm>
-            <a:off x="527649" y="-299109"/>
-            <a:ext cx="10515600" cy="1325563"/>
-          </a:xfrm>
-        </p:spPr>
-        <p:txBody>
-          <a:bodyPr/>
-          <a:lstStyle/>
-          <a:p>
-            <a:pPr algn="ctr"/>
-            <a:r>
-              <a:rPr lang="ru-RU" dirty="0" smtClean="0"/>
-              <a:t>Диаграмма последовательности</a:t>
-            </a:r>
-            <a:endParaRPr lang="ru-RU" dirty="0"/>
-          </a:p>
-        </p:txBody>
-      </p:sp>
-      <p:pic>
-        <p:nvPicPr>
-          <p:cNvPr id="4" name="Рисунок 3"/>
-          <p:cNvPicPr>
-            <a:picLocks noChangeAspect="1"/>
-          </p:cNvPicPr>
-          <p:nvPr/>
-        </p:nvPicPr>
-        <p:blipFill>
-          <a:blip r:embed="rId2"/>
-          <a:stretch>
-            <a:fillRect/>
-          </a:stretch>
-        </p:blipFill>
-        <p:spPr>
-          <a:xfrm>
-            <a:off x="1268083" y="721534"/>
-            <a:ext cx="9034732" cy="5685075"/>
-          </a:xfrm>
-          <a:prstGeom prst="rect">
-            <a:avLst/>
-          </a:prstGeom>
-        </p:spPr>
-      </p:pic>
-    </p:spTree>
-    <p:extLst>
-      <p:ext uri="{BB962C8B-B14F-4D97-AF65-F5344CB8AC3E}">
-        <p14:creationId xmlns:p14="http://schemas.microsoft.com/office/powerpoint/2010/main" val="3428402535"/>
-      </p:ext>
-    </p:extLst>
-  </p:cSld>
-  <p:clrMapOvr>
-    <a:masterClrMapping/>
-  </p:clrMapOvr>
-</p:sld>
-</file>
-
-<file path=ppt/slides/slide16.xml><?xml version="1.0" encoding="utf-8"?>
-<p:sld xmlns:a="http://schemas.openxmlformats.org/drawingml/2006/main" xmlns:r="http://schemas.openxmlformats.org/officeDocument/2006/relationships" xmlns:p="http://schemas.openxmlformats.org/presentationml/2006/main">
-  <p:cSld>
-    <p:spTree>
-      <p:nvGrpSpPr>
-        <p:cNvPr id="1" name=""/>
-        <p:cNvGrpSpPr/>
-        <p:nvPr/>
-      </p:nvGrpSpPr>
-      <p:grpSpPr>
-        <a:xfrm>
-          <a:off x="0" y="0"/>
-          <a:ext cx="0" cy="0"/>
-          <a:chOff x="0" y="0"/>
-          <a:chExt cx="0" cy="0"/>
-        </a:xfrm>
-      </p:grpSpPr>
-      <p:sp>
-        <p:nvSpPr>
           <p:cNvPr id="4" name="Заголовок 1">
             <a:extLst>
               <a:ext uri="{FF2B5EF4-FFF2-40B4-BE49-F238E27FC236}">
@@ -5075,7 +4824,7 @@
 </p:sld>
 </file>
 
-<file path=ppt/slides/slide17.xml><?xml version="1.0" encoding="utf-8"?>
+<file path=ppt/slides/slide15.xml><?xml version="1.0" encoding="utf-8"?>
 <p:sld xmlns:a="http://schemas.openxmlformats.org/drawingml/2006/main" xmlns:r="http://schemas.openxmlformats.org/officeDocument/2006/relationships" xmlns:p="http://schemas.openxmlformats.org/presentationml/2006/main">
   <p:cSld>
     <p:spTree>
@@ -5663,7 +5412,7 @@
                 <a14:useLocalDpi xmlns:a14="http://schemas.microsoft.com/office/drawing/2010/main" val="0"/>
               </a:ext>
               <a:ext uri="{96DAC541-7B7A-43D3-8B79-37D633B846F1}">
-                <asvg:svgBlip xmlns="" xmlns:asvg="http://schemas.microsoft.com/office/drawing/2016/SVG/main" r:embed="rId3"/>
+                <asvg:svgBlip xmlns:asvg="http://schemas.microsoft.com/office/drawing/2016/SVG/main" xmlns="" r:embed="rId3"/>
               </a:ext>
             </a:extLst>
           </a:blip>
@@ -6249,7 +5998,7 @@
                 <a14:useLocalDpi xmlns:a14="http://schemas.microsoft.com/office/drawing/2010/main" val="0"/>
               </a:ext>
               <a:ext uri="{96DAC541-7B7A-43D3-8B79-37D633B846F1}">
-                <asvg:svgBlip xmlns="" xmlns:asvg="http://schemas.microsoft.com/office/drawing/2016/SVG/main" r:embed="rId3"/>
+                <asvg:svgBlip xmlns:asvg="http://schemas.microsoft.com/office/drawing/2016/SVG/main" xmlns="" r:embed="rId3"/>
               </a:ext>
             </a:extLst>
           </a:blip>
@@ -7845,7 +7594,7 @@
                 <a14:useLocalDpi xmlns:a14="http://schemas.microsoft.com/office/drawing/2010/main" val="0"/>
               </a:ext>
               <a:ext uri="{96DAC541-7B7A-43D3-8B79-37D633B846F1}">
-                <asvg:svgBlip xmlns="" xmlns:asvg="http://schemas.microsoft.com/office/drawing/2016/SVG/main" r:embed="rId3"/>
+                <asvg:svgBlip xmlns:asvg="http://schemas.microsoft.com/office/drawing/2016/SVG/main" xmlns="" r:embed="rId3"/>
               </a:ext>
             </a:extLst>
           </a:blip>
